--- a/slides/Geog4300_Fa18_Lecture 3-3 Standard deviation, skew, and variance.pptx
+++ b/slides/Geog4300_Fa18_Lecture 3-3 Standard deviation, skew, and variance.pptx
@@ -20677,7 +20677,7 @@
               <a:buNone/>
             </a:pPr>
             <a:r>
-              <a:rPr lang="en-US" sz="3200" b="1" i="1">
+              <a:rPr lang="en-US" sz="3200" b="1" i="1" dirty="0">
                 <a:solidFill>
                   <a:srgbClr val="FFFF00"/>
                 </a:solidFill>
@@ -20689,7 +20689,7 @@
               <a:t> </a:t>
             </a:r>
             <a:r>
-              <a:rPr lang="en-US" sz="3200" b="1" i="1">
+              <a:rPr lang="en-US" sz="3200" b="1" i="1" dirty="0">
                 <a:solidFill>
                   <a:srgbClr val="FF0000"/>
                 </a:solidFill>
@@ -20698,10 +20698,34 @@
                 <a:cs typeface="Calibri"/>
                 <a:sym typeface="Calibri"/>
               </a:rPr>
-              <a:t>fact:</a:t>
+              <a:t>F</a:t>
             </a:r>
             <a:r>
-              <a:rPr lang="en-US" sz="3200">
+              <a:rPr lang="en-US" sz="3200" b="1" i="1" dirty="0" smtClean="0">
+                <a:solidFill>
+                  <a:srgbClr val="FF0000"/>
+                </a:solidFill>
+                <a:latin typeface="Calibri"/>
+                <a:ea typeface="Calibri"/>
+                <a:cs typeface="Calibri"/>
+                <a:sym typeface="Calibri"/>
+              </a:rPr>
+              <a:t>act</a:t>
+            </a:r>
+            <a:r>
+              <a:rPr lang="en-US" sz="3200" b="1" i="1" dirty="0">
+                <a:solidFill>
+                  <a:srgbClr val="FF0000"/>
+                </a:solidFill>
+                <a:latin typeface="Calibri"/>
+                <a:ea typeface="Calibri"/>
+                <a:cs typeface="Calibri"/>
+                <a:sym typeface="Calibri"/>
+              </a:rPr>
+              <a:t>:</a:t>
+            </a:r>
+            <a:r>
+              <a:rPr lang="en-US" sz="3200" dirty="0">
                 <a:solidFill>
                   <a:srgbClr val="FF0000"/>
                 </a:solidFill>
@@ -20713,7 +20737,7 @@
               <a:t> </a:t>
             </a:r>
             <a:r>
-              <a:rPr lang="en-US" sz="3200">
+              <a:rPr lang="en-US" sz="3200" dirty="0">
                 <a:solidFill>
                   <a:srgbClr val="FFFF66"/>
                 </a:solidFill>
@@ -24377,8 +24401,8 @@
           </a:p>
         </p:txBody>
       </p:sp>
-      <mc:AlternateContent xmlns:mc="http://schemas.openxmlformats.org/markup-compatibility/2006">
-        <mc:Choice xmlns:a14="http://schemas.microsoft.com/office/drawing/2010/main" Requires="a14">
+      <mc:AlternateContent xmlns:mc="http://schemas.openxmlformats.org/markup-compatibility/2006" xmlns:a14="http://schemas.microsoft.com/office/drawing/2010/main">
+        <mc:Choice Requires="a14">
           <p:sp>
             <p:nvSpPr>
               <p:cNvPr id="11" name="TextBox 10"/>
@@ -24401,6 +24425,7 @@
               </a:bodyPr>
               <a:lstStyle/>
               <a:p>
+                <a:pPr/>
                 <a14:m>
                   <m:oMathPara xmlns:m="http://schemas.openxmlformats.org/officeDocument/2006/math">
                     <m:oMathParaPr>
@@ -24486,7 +24511,7 @@
             </p:txBody>
           </p:sp>
         </mc:Choice>
-        <mc:Fallback>
+        <mc:Fallback xmlns="">
           <p:sp>
             <p:nvSpPr>
               <p:cNvPr id="11" name="TextBox 10"/>
@@ -25019,8 +25044,8 @@
           </a:p>
         </p:txBody>
       </p:sp>
-      <mc:AlternateContent xmlns:mc="http://schemas.openxmlformats.org/markup-compatibility/2006">
-        <mc:Choice xmlns:a14="http://schemas.microsoft.com/office/drawing/2010/main" Requires="a14">
+      <mc:AlternateContent xmlns:mc="http://schemas.openxmlformats.org/markup-compatibility/2006" xmlns:a14="http://schemas.microsoft.com/office/drawing/2010/main">
+        <mc:Choice Requires="a14">
           <p:sp>
             <p:nvSpPr>
               <p:cNvPr id="2" name="TextBox 1"/>
@@ -25043,6 +25068,7 @@
               </a:bodyPr>
               <a:lstStyle/>
               <a:p>
+                <a:pPr/>
                 <a14:m>
                   <m:oMathPara xmlns:m="http://schemas.openxmlformats.org/officeDocument/2006/math">
                     <m:oMathParaPr>
@@ -25128,7 +25154,7 @@
             </p:txBody>
           </p:sp>
         </mc:Choice>
-        <mc:Fallback>
+        <mc:Fallback xmlns="">
           <p:sp>
             <p:nvSpPr>
               <p:cNvPr id="2" name="TextBox 1"/>
